--- a/docs/zookeeper Introduction.pptx
+++ b/docs/zookeeper Introduction.pptx
@@ -5,7 +5,7 @@
     <p:sldMasterId id="2147483648" r:id="rId1"/>
   </p:sldMasterIdLst>
   <p:notesMasterIdLst>
-    <p:notesMasterId r:id="rId12"/>
+    <p:notesMasterId r:id="rId18"/>
   </p:notesMasterIdLst>
   <p:sldIdLst>
     <p:sldId id="256" r:id="rId2"/>
@@ -18,6 +18,12 @@
     <p:sldId id="263" r:id="rId9"/>
     <p:sldId id="264" r:id="rId10"/>
     <p:sldId id="265" r:id="rId11"/>
+    <p:sldId id="266" r:id="rId12"/>
+    <p:sldId id="267" r:id="rId13"/>
+    <p:sldId id="268" r:id="rId14"/>
+    <p:sldId id="269" r:id="rId15"/>
+    <p:sldId id="270" r:id="rId16"/>
+    <p:sldId id="271" r:id="rId17"/>
   </p:sldIdLst>
   <p:sldSz cx="12192000" cy="6858000"/>
   <p:notesSz cx="6858000" cy="9144000"/>
@@ -137,6 +143,20 @@
             <p14:sldId id="265"/>
           </p14:sldIdLst>
         </p14:section>
+        <p14:section name="ZK的作用" id="{1B13F593-1CDD-438E-BC76-6B8CB5F08987}">
+          <p14:sldIdLst>
+            <p14:sldId id="266"/>
+            <p14:sldId id="267"/>
+            <p14:sldId id="268"/>
+            <p14:sldId id="269"/>
+            <p14:sldId id="270"/>
+          </p14:sldIdLst>
+        </p14:section>
+        <p14:section name="ZK命令" id="{EFE5CB3A-8CC1-4BC4-BDA5-CF9998FCF4D7}">
+          <p14:sldIdLst>
+            <p14:sldId id="271"/>
+          </p14:sldIdLst>
+        </p14:section>
       </p14:sectionLst>
     </p:ext>
     <p:ext uri="{EFAFB233-063F-42B5-8137-9DF3F51BA10A}">
@@ -228,7 +248,7 @@
           <a:p>
             <a:fld id="{67F4017E-6190-493C-AF6E-D2CB5F64E01B}" type="datetimeFigureOut">
               <a:rPr lang="zh-CN" altLang="en-US" smtClean="0"/>
-              <a:t>2019/1/2</a:t>
+              <a:t>2019/1/8</a:t>
             </a:fld>
             <a:endParaRPr lang="zh-CN" altLang="en-US"/>
           </a:p>
@@ -872,6 +892,291 @@
 </p:notes>
 </file>
 
+<file path=ppt/notesSlides/notesSlide4.xml><?xml version="1.0" encoding="utf-8"?>
+<p:notes xmlns:a="http://schemas.openxmlformats.org/drawingml/2006/main" xmlns:r="http://schemas.openxmlformats.org/officeDocument/2006/relationships" xmlns:p="http://schemas.openxmlformats.org/presentationml/2006/main">
+  <p:cSld>
+    <p:spTree>
+      <p:nvGrpSpPr>
+        <p:cNvPr id="1" name=""/>
+        <p:cNvGrpSpPr/>
+        <p:nvPr/>
+      </p:nvGrpSpPr>
+      <p:grpSpPr>
+        <a:xfrm>
+          <a:off x="0" y="0"/>
+          <a:ext cx="0" cy="0"/>
+          <a:chOff x="0" y="0"/>
+          <a:chExt cx="0" cy="0"/>
+        </a:xfrm>
+      </p:grpSpPr>
+      <p:sp>
+        <p:nvSpPr>
+          <p:cNvPr id="2" name="幻灯片图像占位符 1"/>
+          <p:cNvSpPr>
+            <a:spLocks noGrp="1" noRot="1" noChangeAspect="1"/>
+          </p:cNvSpPr>
+          <p:nvPr>
+            <p:ph type="sldImg"/>
+          </p:nvPr>
+        </p:nvSpPr>
+        <p:spPr/>
+      </p:sp>
+      <p:sp>
+        <p:nvSpPr>
+          <p:cNvPr id="3" name="备注占位符 2"/>
+          <p:cNvSpPr>
+            <a:spLocks noGrp="1"/>
+          </p:cNvSpPr>
+          <p:nvPr>
+            <p:ph type="body" idx="1"/>
+          </p:nvPr>
+        </p:nvSpPr>
+        <p:spPr/>
+        <p:txBody>
+          <a:bodyPr/>
+          <a:lstStyle/>
+          <a:p>
+            <a:r>
+              <a:rPr lang="en-US" altLang="zh-CN" dirty="0" err="1" smtClean="0"/>
+              <a:t>cZxid</a:t>
+            </a:r>
+            <a:r>
+              <a:rPr lang="en-US" altLang="zh-CN" dirty="0" smtClean="0"/>
+              <a:t>:</a:t>
+            </a:r>
+            <a:r>
+              <a:rPr lang="en-US" altLang="zh-CN" baseline="0" dirty="0" smtClean="0"/>
+              <a:t> </a:t>
+            </a:r>
+            <a:r>
+              <a:rPr lang="zh-CN" altLang="en-US" baseline="0" dirty="0" smtClean="0"/>
+              <a:t>节点</a:t>
+            </a:r>
+            <a:r>
+              <a:rPr lang="en-US" altLang="zh-CN" baseline="0" dirty="0" smtClean="0"/>
+              <a:t>ID</a:t>
+            </a:r>
+          </a:p>
+          <a:p>
+            <a:r>
+              <a:rPr lang="en-US" altLang="zh-CN" baseline="0" dirty="0" err="1" smtClean="0"/>
+              <a:t>Ctime</a:t>
+            </a:r>
+            <a:r>
+              <a:rPr lang="en-US" altLang="zh-CN" baseline="0" dirty="0" smtClean="0"/>
+              <a:t>: </a:t>
+            </a:r>
+            <a:r>
+              <a:rPr lang="zh-CN" altLang="en-US" baseline="0" dirty="0" smtClean="0"/>
+              <a:t>创建时间</a:t>
+            </a:r>
+            <a:endParaRPr lang="en-US" altLang="zh-CN" baseline="0" dirty="0" smtClean="0"/>
+          </a:p>
+          <a:p>
+            <a:r>
+              <a:rPr lang="en-US" altLang="zh-CN" baseline="0" dirty="0" err="1" smtClean="0"/>
+              <a:t>mZxid</a:t>
+            </a:r>
+            <a:r>
+              <a:rPr lang="en-US" altLang="zh-CN" baseline="0" dirty="0" smtClean="0"/>
+              <a:t>: </a:t>
+            </a:r>
+            <a:r>
+              <a:rPr lang="zh-CN" altLang="en-US" baseline="0" dirty="0" smtClean="0"/>
+              <a:t>修改后节点</a:t>
+            </a:r>
+            <a:r>
+              <a:rPr lang="en-US" altLang="zh-CN" baseline="0" dirty="0" smtClean="0"/>
+              <a:t>ID</a:t>
+            </a:r>
+          </a:p>
+          <a:p>
+            <a:r>
+              <a:rPr lang="en-US" altLang="zh-CN" baseline="0" dirty="0" err="1" smtClean="0"/>
+              <a:t>Mtime</a:t>
+            </a:r>
+            <a:r>
+              <a:rPr lang="en-US" altLang="zh-CN" baseline="0" dirty="0" smtClean="0"/>
+              <a:t>: </a:t>
+            </a:r>
+            <a:r>
+              <a:rPr lang="zh-CN" altLang="en-US" baseline="0" dirty="0" smtClean="0"/>
+              <a:t>修改时间</a:t>
+            </a:r>
+            <a:endParaRPr lang="en-US" altLang="zh-CN" baseline="0" dirty="0" smtClean="0"/>
+          </a:p>
+          <a:p>
+            <a:r>
+              <a:rPr lang="en-US" altLang="zh-CN" baseline="0" dirty="0" err="1" smtClean="0"/>
+              <a:t>pZxid</a:t>
+            </a:r>
+            <a:r>
+              <a:rPr lang="en-US" altLang="zh-CN" baseline="0" dirty="0" smtClean="0"/>
+              <a:t>: </a:t>
+            </a:r>
+            <a:r>
+              <a:rPr lang="zh-CN" altLang="en-US" baseline="0" dirty="0" smtClean="0"/>
+              <a:t>子节点</a:t>
+            </a:r>
+            <a:r>
+              <a:rPr lang="en-US" altLang="zh-CN" baseline="0" dirty="0" smtClean="0"/>
+              <a:t>ID</a:t>
+            </a:r>
+          </a:p>
+          <a:p>
+            <a:r>
+              <a:rPr lang="en-US" altLang="zh-CN" baseline="0" dirty="0" err="1" smtClean="0"/>
+              <a:t>Cversion</a:t>
+            </a:r>
+            <a:r>
+              <a:rPr lang="en-US" altLang="zh-CN" baseline="0" dirty="0" smtClean="0"/>
+              <a:t>:  </a:t>
+            </a:r>
+            <a:r>
+              <a:rPr lang="zh-CN" altLang="en-US" baseline="0" dirty="0" smtClean="0"/>
+              <a:t>子节点的</a:t>
+            </a:r>
+            <a:r>
+              <a:rPr lang="en-US" altLang="zh-CN" baseline="0" dirty="0" smtClean="0"/>
+              <a:t>version</a:t>
+            </a:r>
+          </a:p>
+          <a:p>
+            <a:r>
+              <a:rPr lang="en-US" altLang="zh-CN" baseline="0" dirty="0" err="1" smtClean="0"/>
+              <a:t>dataVersion</a:t>
+            </a:r>
+            <a:r>
+              <a:rPr lang="en-US" altLang="zh-CN" baseline="0" dirty="0" smtClean="0"/>
+              <a:t>: </a:t>
+            </a:r>
+            <a:r>
+              <a:rPr lang="zh-CN" altLang="en-US" baseline="0" dirty="0" smtClean="0"/>
+              <a:t>当前节点数据的版本号</a:t>
+            </a:r>
+            <a:endParaRPr lang="en-US" altLang="zh-CN" baseline="0" dirty="0" smtClean="0"/>
+          </a:p>
+          <a:p>
+            <a:r>
+              <a:rPr lang="en-US" altLang="zh-CN" baseline="0" dirty="0" err="1" smtClean="0"/>
+              <a:t>Aclversion</a:t>
+            </a:r>
+            <a:r>
+              <a:rPr lang="en-US" altLang="zh-CN" baseline="0" dirty="0" smtClean="0"/>
+              <a:t>: </a:t>
+            </a:r>
+            <a:r>
+              <a:rPr lang="zh-CN" altLang="en-US" baseline="0" dirty="0" smtClean="0"/>
+              <a:t>权限版本号</a:t>
+            </a:r>
+            <a:endParaRPr lang="en-US" altLang="zh-CN" baseline="0" dirty="0" smtClean="0"/>
+          </a:p>
+          <a:p>
+            <a:r>
+              <a:rPr lang="en-US" altLang="zh-CN" dirty="0" err="1" smtClean="0"/>
+              <a:t>ephemeralOwner</a:t>
+            </a:r>
+            <a:r>
+              <a:rPr lang="en-US" altLang="zh-CN" dirty="0" smtClean="0"/>
+              <a:t>: </a:t>
+            </a:r>
+            <a:r>
+              <a:rPr lang="zh-CN" altLang="en-US" dirty="0" smtClean="0"/>
+              <a:t>若为临时节点则其值为</a:t>
+            </a:r>
+            <a:r>
+              <a:rPr lang="en-US" altLang="zh-CN" dirty="0" smtClean="0"/>
+              <a:t>session</a:t>
+            </a:r>
+            <a:r>
+              <a:rPr lang="en-US" altLang="zh-CN" baseline="0" dirty="0" smtClean="0"/>
+              <a:t> ID</a:t>
+            </a:r>
+            <a:r>
+              <a:rPr lang="zh-CN" altLang="en-US" baseline="0" dirty="0" smtClean="0"/>
+              <a:t>，如果是</a:t>
+            </a:r>
+            <a:r>
+              <a:rPr lang="en-US" altLang="zh-CN" baseline="0" dirty="0" smtClean="0"/>
+              <a:t>persistent</a:t>
+            </a:r>
+            <a:r>
+              <a:rPr lang="zh-CN" altLang="en-US" baseline="0" dirty="0" smtClean="0"/>
+              <a:t>节点则其值为</a:t>
+            </a:r>
+            <a:r>
+              <a:rPr lang="en-US" altLang="zh-CN" baseline="0" dirty="0" smtClean="0"/>
+              <a:t>0</a:t>
+            </a:r>
+          </a:p>
+          <a:p>
+            <a:r>
+              <a:rPr lang="en-US" altLang="zh-CN" baseline="0" dirty="0" err="1" smtClean="0"/>
+              <a:t>dataLength</a:t>
+            </a:r>
+            <a:r>
+              <a:rPr lang="en-US" altLang="zh-CN" baseline="0" dirty="0" smtClean="0"/>
+              <a:t>: </a:t>
+            </a:r>
+            <a:r>
+              <a:rPr lang="zh-CN" altLang="en-US" baseline="0" dirty="0" smtClean="0"/>
+              <a:t>数据长度</a:t>
+            </a:r>
+            <a:endParaRPr lang="en-US" altLang="zh-CN" baseline="0" dirty="0" smtClean="0"/>
+          </a:p>
+          <a:p>
+            <a:r>
+              <a:rPr lang="en-US" altLang="zh-CN" baseline="0" dirty="0" err="1" smtClean="0"/>
+              <a:t>numChildren</a:t>
+            </a:r>
+            <a:r>
+              <a:rPr lang="en-US" altLang="zh-CN" baseline="0" dirty="0" smtClean="0"/>
+              <a:t>: </a:t>
+            </a:r>
+            <a:r>
+              <a:rPr lang="zh-CN" altLang="en-US" baseline="0" dirty="0" smtClean="0"/>
+              <a:t>子节点数</a:t>
+            </a:r>
+            <a:endParaRPr lang="zh-CN" altLang="en-US" dirty="0"/>
+          </a:p>
+        </p:txBody>
+      </p:sp>
+      <p:sp>
+        <p:nvSpPr>
+          <p:cNvPr id="4" name="灯片编号占位符 3"/>
+          <p:cNvSpPr>
+            <a:spLocks noGrp="1"/>
+          </p:cNvSpPr>
+          <p:nvPr>
+            <p:ph type="sldNum" sz="quarter" idx="10"/>
+          </p:nvPr>
+        </p:nvSpPr>
+        <p:spPr/>
+        <p:txBody>
+          <a:bodyPr/>
+          <a:lstStyle/>
+          <a:p>
+            <a:fld id="{3779C0C9-63CD-4DEE-A103-083394506BC5}" type="slidenum">
+              <a:rPr lang="zh-CN" altLang="en-US" smtClean="0"/>
+              <a:t>16</a:t>
+            </a:fld>
+            <a:endParaRPr lang="zh-CN" altLang="en-US"/>
+          </a:p>
+        </p:txBody>
+      </p:sp>
+    </p:spTree>
+    <p:extLst>
+      <p:ext uri="{BB962C8B-B14F-4D97-AF65-F5344CB8AC3E}">
+        <p14:creationId xmlns:p14="http://schemas.microsoft.com/office/powerpoint/2010/main" val="1880546805"/>
+      </p:ext>
+    </p:extLst>
+  </p:cSld>
+  <p:clrMapOvr>
+    <a:masterClrMapping/>
+  </p:clrMapOvr>
+</p:notes>
+</file>
+
 <file path=ppt/slideLayouts/slideLayout1.xml><?xml version="1.0" encoding="utf-8"?>
 <p:sldLayout xmlns:a="http://schemas.openxmlformats.org/drawingml/2006/main" xmlns:r="http://schemas.openxmlformats.org/officeDocument/2006/relationships" xmlns:p="http://schemas.openxmlformats.org/presentationml/2006/main" preserve="1" userDrawn="1">
   <p:cSld name="标题幻灯片">
@@ -1117,7 +1422,7 @@
           <a:p>
             <a:fld id="{760FBDFE-C587-4B4C-A407-44438C67B59E}" type="datetimeFigureOut">
               <a:rPr lang="zh-CN" altLang="en-US" smtClean="0"/>
-              <a:t>2019/1/2</a:t>
+              <a:t>2019/1/8</a:t>
             </a:fld>
             <a:endParaRPr lang="zh-CN" altLang="en-US"/>
           </a:p>
@@ -1467,7 +1772,7 @@
           <a:p>
             <a:fld id="{760FBDFE-C587-4B4C-A407-44438C67B59E}" type="datetimeFigureOut">
               <a:rPr lang="zh-CN" altLang="en-US" smtClean="0"/>
-              <a:t>2019/1/2</a:t>
+              <a:t>2019/1/8</a:t>
             </a:fld>
             <a:endParaRPr lang="zh-CN" altLang="en-US"/>
           </a:p>
@@ -1708,7 +2013,7 @@
           <a:p>
             <a:fld id="{760FBDFE-C587-4B4C-A407-44438C67B59E}" type="datetimeFigureOut">
               <a:rPr lang="zh-CN" altLang="en-US" smtClean="0"/>
-              <a:t>2019/1/2</a:t>
+              <a:t>2019/1/8</a:t>
             </a:fld>
             <a:endParaRPr lang="zh-CN" altLang="en-US"/>
           </a:p>
@@ -1918,7 +2223,7 @@
           <a:p>
             <a:fld id="{760FBDFE-C587-4B4C-A407-44438C67B59E}" type="datetimeFigureOut">
               <a:rPr lang="zh-CN" altLang="en-US" smtClean="0"/>
-              <a:t>2019/1/2</a:t>
+              <a:t>2019/1/8</a:t>
             </a:fld>
             <a:endParaRPr lang="zh-CN" altLang="en-US"/>
           </a:p>
@@ -3141,7 +3446,7 @@
           <a:p>
             <a:fld id="{760FBDFE-C587-4B4C-A407-44438C67B59E}" type="datetimeFigureOut">
               <a:rPr lang="zh-CN" altLang="en-US" smtClean="0"/>
-              <a:t>2019/1/2</a:t>
+              <a:t>2019/1/8</a:t>
             </a:fld>
             <a:endParaRPr lang="zh-CN" altLang="en-US"/>
           </a:p>
@@ -3436,7 +3741,7 @@
           <a:p>
             <a:fld id="{760FBDFE-C587-4B4C-A407-44438C67B59E}" type="datetimeFigureOut">
               <a:rPr lang="zh-CN" altLang="en-US" smtClean="0"/>
-              <a:t>2019/1/2</a:t>
+              <a:t>2019/1/8</a:t>
             </a:fld>
             <a:endParaRPr lang="zh-CN" altLang="en-US"/>
           </a:p>
@@ -3801,7 +4106,7 @@
           <a:p>
             <a:fld id="{760FBDFE-C587-4B4C-A407-44438C67B59E}" type="datetimeFigureOut">
               <a:rPr lang="zh-CN" altLang="en-US" smtClean="0"/>
-              <a:t>2019/1/2</a:t>
+              <a:t>2019/1/8</a:t>
             </a:fld>
             <a:endParaRPr lang="zh-CN" altLang="en-US"/>
           </a:p>
@@ -3919,7 +4224,7 @@
           <a:p>
             <a:fld id="{760FBDFE-C587-4B4C-A407-44438C67B59E}" type="datetimeFigureOut">
               <a:rPr lang="zh-CN" altLang="en-US" smtClean="0"/>
-              <a:t>2019/1/2</a:t>
+              <a:t>2019/1/8</a:t>
             </a:fld>
             <a:endParaRPr lang="zh-CN" altLang="en-US"/>
           </a:p>
@@ -4009,7 +4314,7 @@
           <a:p>
             <a:fld id="{760FBDFE-C587-4B4C-A407-44438C67B59E}" type="datetimeFigureOut">
               <a:rPr lang="zh-CN" altLang="en-US" smtClean="0"/>
-              <a:t>2019/1/2</a:t>
+              <a:t>2019/1/8</a:t>
             </a:fld>
             <a:endParaRPr lang="zh-CN" altLang="en-US"/>
           </a:p>
@@ -4269,7 +4574,7 @@
           <a:p>
             <a:fld id="{9EFD9D74-47D9-4702-A33C-335B63B48DBF}" type="datetimeFigureOut">
               <a:rPr lang="zh-CN" altLang="en-US" smtClean="0"/>
-              <a:t>2019/1/2</a:t>
+              <a:t>2019/1/8</a:t>
             </a:fld>
             <a:endParaRPr lang="zh-CN" altLang="en-US" dirty="0"/>
           </a:p>
@@ -4448,7 +4753,7 @@
           <a:p>
             <a:fld id="{760FBDFE-C587-4B4C-A407-44438C67B59E}" type="datetimeFigureOut">
               <a:rPr lang="zh-CN" altLang="en-US" smtClean="0"/>
-              <a:t>2019/1/2</a:t>
+              <a:t>2019/1/8</a:t>
             </a:fld>
             <a:endParaRPr lang="zh-CN" altLang="en-US"/>
           </a:p>
@@ -4665,7 +4970,7 @@
           <a:p>
             <a:fld id="{760FBDFE-C587-4B4C-A407-44438C67B59E}" type="datetimeFigureOut">
               <a:rPr lang="zh-CN" altLang="en-US" smtClean="0"/>
-              <a:t>2019/1/2</a:t>
+              <a:t>2019/1/8</a:t>
             </a:fld>
             <a:endParaRPr lang="zh-CN" altLang="en-US"/>
           </a:p>
@@ -5271,6 +5576,623 @@
       </p:par>
     </p:tnLst>
   </p:timing>
+</p:sld>
+</file>
+
+<file path=ppt/slides/slide11.xml><?xml version="1.0" encoding="utf-8"?>
+<p:sld xmlns:a="http://schemas.openxmlformats.org/drawingml/2006/main" xmlns:r="http://schemas.openxmlformats.org/officeDocument/2006/relationships" xmlns:p="http://schemas.openxmlformats.org/presentationml/2006/main">
+  <p:cSld>
+    <p:spTree>
+      <p:nvGrpSpPr>
+        <p:cNvPr id="1" name=""/>
+        <p:cNvGrpSpPr/>
+        <p:nvPr/>
+      </p:nvGrpSpPr>
+      <p:grpSpPr>
+        <a:xfrm>
+          <a:off x="0" y="0"/>
+          <a:ext cx="0" cy="0"/>
+          <a:chOff x="0" y="0"/>
+          <a:chExt cx="0" cy="0"/>
+        </a:xfrm>
+      </p:grpSpPr>
+      <p:sp>
+        <p:nvSpPr>
+          <p:cNvPr id="2" name="标题 1"/>
+          <p:cNvSpPr>
+            <a:spLocks noGrp="1"/>
+          </p:cNvSpPr>
+          <p:nvPr>
+            <p:ph type="title"/>
+          </p:nvPr>
+        </p:nvSpPr>
+        <p:spPr/>
+        <p:txBody>
+          <a:bodyPr/>
+          <a:lstStyle/>
+          <a:p>
+            <a:r>
+              <a:rPr lang="en-US" altLang="zh-CN" dirty="0" smtClean="0"/>
+              <a:t>ZK</a:t>
+            </a:r>
+            <a:r>
+              <a:rPr lang="zh-CN" altLang="en-US" dirty="0" smtClean="0"/>
+              <a:t>的作用</a:t>
+            </a:r>
+            <a:endParaRPr lang="zh-CN" altLang="en-US" dirty="0"/>
+          </a:p>
+        </p:txBody>
+      </p:sp>
+      <p:sp>
+        <p:nvSpPr>
+          <p:cNvPr id="3" name="内容占位符 2"/>
+          <p:cNvSpPr>
+            <a:spLocks noGrp="1"/>
+          </p:cNvSpPr>
+          <p:nvPr>
+            <p:ph idx="1"/>
+          </p:nvPr>
+        </p:nvSpPr>
+        <p:spPr/>
+        <p:txBody>
+          <a:bodyPr/>
+          <a:lstStyle/>
+          <a:p>
+            <a:r>
+              <a:rPr lang="en-US" altLang="zh-CN" dirty="0" smtClean="0"/>
+              <a:t>Master</a:t>
+            </a:r>
+            <a:r>
+              <a:rPr lang="zh-CN" altLang="en-US" dirty="0" smtClean="0"/>
+              <a:t>节点选举</a:t>
+            </a:r>
+            <a:endParaRPr lang="en-US" altLang="zh-CN" dirty="0" smtClean="0"/>
+          </a:p>
+          <a:p>
+            <a:pPr lvl="1"/>
+            <a:endParaRPr lang="en-US" altLang="zh-CN" dirty="0"/>
+          </a:p>
+          <a:p>
+            <a:pPr marL="457200" lvl="1" indent="0">
+              <a:buNone/>
+            </a:pPr>
+            <a:endParaRPr lang="en-US" altLang="zh-CN" dirty="0" smtClean="0"/>
+          </a:p>
+          <a:p>
+            <a:pPr marL="457200" lvl="1" indent="0">
+              <a:buNone/>
+            </a:pPr>
+            <a:r>
+              <a:rPr lang="zh-CN" altLang="en-US" dirty="0" smtClean="0"/>
+              <a:t>主</a:t>
+            </a:r>
+            <a:r>
+              <a:rPr lang="zh-CN" altLang="en-US" dirty="0"/>
+              <a:t>节点挂了以后，从节点就会接手工作，并且保证这个节点是唯一的，这也是所谓的首脑模式，从而保证我们的集群是高可用的。</a:t>
+            </a:r>
+          </a:p>
+          <a:p>
+            <a:pPr marL="457200" lvl="1" indent="0">
+              <a:buNone/>
+            </a:pPr>
+            <a:endParaRPr lang="en-US" altLang="zh-CN" dirty="0" smtClean="0"/>
+          </a:p>
+          <a:p>
+            <a:pPr lvl="1"/>
+            <a:endParaRPr lang="en-US" altLang="zh-CN" dirty="0"/>
+          </a:p>
+          <a:p>
+            <a:pPr marL="0" indent="0">
+              <a:buNone/>
+            </a:pPr>
+            <a:r>
+              <a:rPr lang="en-US" altLang="zh-CN" dirty="0" smtClean="0"/>
+              <a:t>	</a:t>
+            </a:r>
+            <a:endParaRPr lang="zh-CN" altLang="en-US" dirty="0"/>
+          </a:p>
+        </p:txBody>
+      </p:sp>
+    </p:spTree>
+    <p:extLst>
+      <p:ext uri="{BB962C8B-B14F-4D97-AF65-F5344CB8AC3E}">
+        <p14:creationId xmlns:p14="http://schemas.microsoft.com/office/powerpoint/2010/main" val="2196387639"/>
+      </p:ext>
+    </p:extLst>
+  </p:cSld>
+  <p:clrMapOvr>
+    <a:masterClrMapping/>
+  </p:clrMapOvr>
+</p:sld>
+</file>
+
+<file path=ppt/slides/slide12.xml><?xml version="1.0" encoding="utf-8"?>
+<p:sld xmlns:a="http://schemas.openxmlformats.org/drawingml/2006/main" xmlns:r="http://schemas.openxmlformats.org/officeDocument/2006/relationships" xmlns:p="http://schemas.openxmlformats.org/presentationml/2006/main">
+  <p:cSld>
+    <p:spTree>
+      <p:nvGrpSpPr>
+        <p:cNvPr id="1" name=""/>
+        <p:cNvGrpSpPr/>
+        <p:nvPr/>
+      </p:nvGrpSpPr>
+      <p:grpSpPr>
+        <a:xfrm>
+          <a:off x="0" y="0"/>
+          <a:ext cx="0" cy="0"/>
+          <a:chOff x="0" y="0"/>
+          <a:chExt cx="0" cy="0"/>
+        </a:xfrm>
+      </p:grpSpPr>
+      <p:sp>
+        <p:nvSpPr>
+          <p:cNvPr id="2" name="标题 1"/>
+          <p:cNvSpPr>
+            <a:spLocks noGrp="1"/>
+          </p:cNvSpPr>
+          <p:nvPr>
+            <p:ph type="title"/>
+          </p:nvPr>
+        </p:nvSpPr>
+        <p:spPr/>
+        <p:txBody>
+          <a:bodyPr/>
+          <a:lstStyle/>
+          <a:p>
+            <a:r>
+              <a:rPr lang="en-US" altLang="zh-CN" dirty="0" smtClean="0"/>
+              <a:t>ZK</a:t>
+            </a:r>
+            <a:r>
+              <a:rPr lang="zh-CN" altLang="en-US" dirty="0" smtClean="0"/>
+              <a:t>的作用</a:t>
+            </a:r>
+            <a:endParaRPr lang="zh-CN" altLang="en-US" dirty="0"/>
+          </a:p>
+        </p:txBody>
+      </p:sp>
+      <p:sp>
+        <p:nvSpPr>
+          <p:cNvPr id="3" name="内容占位符 2"/>
+          <p:cNvSpPr>
+            <a:spLocks noGrp="1"/>
+          </p:cNvSpPr>
+          <p:nvPr>
+            <p:ph idx="1"/>
+          </p:nvPr>
+        </p:nvSpPr>
+        <p:spPr/>
+        <p:txBody>
+          <a:bodyPr/>
+          <a:lstStyle/>
+          <a:p>
+            <a:r>
+              <a:rPr lang="zh-CN" altLang="en-US" dirty="0" smtClean="0"/>
+              <a:t>统一配置文件管理</a:t>
+            </a:r>
+            <a:endParaRPr lang="en-US" altLang="zh-CN" dirty="0" smtClean="0"/>
+          </a:p>
+          <a:p>
+            <a:endParaRPr lang="en-US" altLang="zh-CN" dirty="0"/>
+          </a:p>
+          <a:p>
+            <a:pPr marL="457200" lvl="1" indent="0">
+              <a:buNone/>
+            </a:pPr>
+            <a:r>
+              <a:rPr lang="zh-CN" altLang="en-US" dirty="0" smtClean="0"/>
+              <a:t>只需要配置一台服务器，则可以把相同配置的文件同步更新到其他所有服务器，此操作在去计算中用的特别多。</a:t>
+            </a:r>
+            <a:endParaRPr lang="zh-CN" altLang="en-US" dirty="0"/>
+          </a:p>
+        </p:txBody>
+      </p:sp>
+    </p:spTree>
+    <p:extLst>
+      <p:ext uri="{BB962C8B-B14F-4D97-AF65-F5344CB8AC3E}">
+        <p14:creationId xmlns:p14="http://schemas.microsoft.com/office/powerpoint/2010/main" val="3154688924"/>
+      </p:ext>
+    </p:extLst>
+  </p:cSld>
+  <p:clrMapOvr>
+    <a:masterClrMapping/>
+  </p:clrMapOvr>
+</p:sld>
+</file>
+
+<file path=ppt/slides/slide13.xml><?xml version="1.0" encoding="utf-8"?>
+<p:sld xmlns:a="http://schemas.openxmlformats.org/drawingml/2006/main" xmlns:r="http://schemas.openxmlformats.org/officeDocument/2006/relationships" xmlns:p="http://schemas.openxmlformats.org/presentationml/2006/main">
+  <p:cSld>
+    <p:spTree>
+      <p:nvGrpSpPr>
+        <p:cNvPr id="1" name=""/>
+        <p:cNvGrpSpPr/>
+        <p:nvPr/>
+      </p:nvGrpSpPr>
+      <p:grpSpPr>
+        <a:xfrm>
+          <a:off x="0" y="0"/>
+          <a:ext cx="0" cy="0"/>
+          <a:chOff x="0" y="0"/>
+          <a:chExt cx="0" cy="0"/>
+        </a:xfrm>
+      </p:grpSpPr>
+      <p:sp>
+        <p:nvSpPr>
+          <p:cNvPr id="2" name="标题 1"/>
+          <p:cNvSpPr>
+            <a:spLocks noGrp="1"/>
+          </p:cNvSpPr>
+          <p:nvPr>
+            <p:ph type="title"/>
+          </p:nvPr>
+        </p:nvSpPr>
+        <p:spPr/>
+        <p:txBody>
+          <a:bodyPr/>
+          <a:lstStyle/>
+          <a:p>
+            <a:r>
+              <a:rPr lang="en-US" altLang="zh-CN" dirty="0" smtClean="0"/>
+              <a:t>ZK</a:t>
+            </a:r>
+            <a:r>
+              <a:rPr lang="zh-CN" altLang="en-US" dirty="0" smtClean="0"/>
+              <a:t>的作用</a:t>
+            </a:r>
+            <a:r>
+              <a:rPr lang="en-US" altLang="zh-CN" dirty="0" smtClean="0"/>
+              <a:t>	</a:t>
+            </a:r>
+            <a:endParaRPr lang="zh-CN" altLang="en-US" dirty="0"/>
+          </a:p>
+        </p:txBody>
+      </p:sp>
+      <p:sp>
+        <p:nvSpPr>
+          <p:cNvPr id="3" name="内容占位符 2"/>
+          <p:cNvSpPr>
+            <a:spLocks noGrp="1"/>
+          </p:cNvSpPr>
+          <p:nvPr>
+            <p:ph idx="1"/>
+          </p:nvPr>
+        </p:nvSpPr>
+        <p:spPr/>
+        <p:txBody>
+          <a:bodyPr/>
+          <a:lstStyle/>
+          <a:p>
+            <a:r>
+              <a:rPr lang="zh-CN" altLang="en-US" dirty="0" smtClean="0"/>
+              <a:t>发布与订阅</a:t>
+            </a:r>
+            <a:endParaRPr lang="en-US" altLang="zh-CN" dirty="0" smtClean="0"/>
+          </a:p>
+          <a:p>
+            <a:pPr marL="457200" lvl="1" indent="0">
+              <a:buNone/>
+            </a:pPr>
+            <a:endParaRPr lang="en-US" altLang="zh-CN" dirty="0"/>
+          </a:p>
+          <a:p>
+            <a:pPr marL="457200" lvl="1" indent="0">
+              <a:buNone/>
+            </a:pPr>
+            <a:endParaRPr lang="en-US" altLang="zh-CN" dirty="0" smtClean="0"/>
+          </a:p>
+          <a:p>
+            <a:pPr marL="457200" lvl="1" indent="0">
+              <a:buNone/>
+            </a:pPr>
+            <a:r>
+              <a:rPr lang="zh-CN" altLang="en-US" dirty="0" smtClean="0"/>
+              <a:t>类似消息队列</a:t>
+            </a:r>
+            <a:r>
+              <a:rPr lang="en-US" altLang="zh-CN" dirty="0" smtClean="0"/>
+              <a:t>MQ</a:t>
+            </a:r>
+            <a:r>
+              <a:rPr lang="zh-CN" altLang="en-US" dirty="0" smtClean="0"/>
+              <a:t>，</a:t>
+            </a:r>
+            <a:r>
+              <a:rPr lang="en-US" altLang="zh-CN" dirty="0" err="1" smtClean="0"/>
+              <a:t>dubbo</a:t>
+            </a:r>
+            <a:r>
+              <a:rPr lang="zh-CN" altLang="en-US" dirty="0" smtClean="0"/>
+              <a:t>发布者把数据存在</a:t>
+            </a:r>
+            <a:r>
+              <a:rPr lang="en-US" altLang="zh-CN" dirty="0" err="1" smtClean="0"/>
+              <a:t>znode</a:t>
+            </a:r>
+            <a:r>
+              <a:rPr lang="zh-CN" altLang="en-US" dirty="0" smtClean="0"/>
+              <a:t>上，订阅者会去读取这个数据。</a:t>
+            </a:r>
+            <a:endParaRPr lang="zh-CN" altLang="en-US" dirty="0"/>
+          </a:p>
+        </p:txBody>
+      </p:sp>
+    </p:spTree>
+    <p:extLst>
+      <p:ext uri="{BB962C8B-B14F-4D97-AF65-F5344CB8AC3E}">
+        <p14:creationId xmlns:p14="http://schemas.microsoft.com/office/powerpoint/2010/main" val="3514635409"/>
+      </p:ext>
+    </p:extLst>
+  </p:cSld>
+  <p:clrMapOvr>
+    <a:masterClrMapping/>
+  </p:clrMapOvr>
+</p:sld>
+</file>
+
+<file path=ppt/slides/slide14.xml><?xml version="1.0" encoding="utf-8"?>
+<p:sld xmlns:a="http://schemas.openxmlformats.org/drawingml/2006/main" xmlns:r="http://schemas.openxmlformats.org/officeDocument/2006/relationships" xmlns:p="http://schemas.openxmlformats.org/presentationml/2006/main">
+  <p:cSld>
+    <p:spTree>
+      <p:nvGrpSpPr>
+        <p:cNvPr id="1" name=""/>
+        <p:cNvGrpSpPr/>
+        <p:nvPr/>
+      </p:nvGrpSpPr>
+      <p:grpSpPr>
+        <a:xfrm>
+          <a:off x="0" y="0"/>
+          <a:ext cx="0" cy="0"/>
+          <a:chOff x="0" y="0"/>
+          <a:chExt cx="0" cy="0"/>
+        </a:xfrm>
+      </p:grpSpPr>
+      <p:sp>
+        <p:nvSpPr>
+          <p:cNvPr id="2" name="标题 1"/>
+          <p:cNvSpPr>
+            <a:spLocks noGrp="1"/>
+          </p:cNvSpPr>
+          <p:nvPr>
+            <p:ph type="title"/>
+          </p:nvPr>
+        </p:nvSpPr>
+        <p:spPr/>
+        <p:txBody>
+          <a:bodyPr/>
+          <a:lstStyle/>
+          <a:p>
+            <a:r>
+              <a:rPr lang="en-US" altLang="zh-CN" dirty="0" smtClean="0"/>
+              <a:t>ZK</a:t>
+            </a:r>
+            <a:r>
+              <a:rPr lang="zh-CN" altLang="en-US" dirty="0" smtClean="0"/>
+              <a:t>的作用</a:t>
+            </a:r>
+            <a:endParaRPr lang="zh-CN" altLang="en-US" dirty="0"/>
+          </a:p>
+        </p:txBody>
+      </p:sp>
+      <p:sp>
+        <p:nvSpPr>
+          <p:cNvPr id="3" name="内容占位符 2"/>
+          <p:cNvSpPr>
+            <a:spLocks noGrp="1"/>
+          </p:cNvSpPr>
+          <p:nvPr>
+            <p:ph idx="1"/>
+          </p:nvPr>
+        </p:nvSpPr>
+        <p:spPr/>
+        <p:txBody>
+          <a:bodyPr/>
+          <a:lstStyle/>
+          <a:p>
+            <a:r>
+              <a:rPr lang="zh-CN" altLang="en-US" dirty="0" smtClean="0"/>
+              <a:t>分布式锁</a:t>
+            </a:r>
+            <a:endParaRPr lang="en-US" altLang="zh-CN" dirty="0" smtClean="0"/>
+          </a:p>
+          <a:p>
+            <a:endParaRPr lang="en-US" altLang="zh-CN" dirty="0"/>
+          </a:p>
+          <a:p>
+            <a:pPr marL="457200" lvl="1" indent="0">
+              <a:buNone/>
+            </a:pPr>
+            <a:r>
+              <a:rPr lang="zh-CN" altLang="en-US" dirty="0" smtClean="0"/>
+              <a:t>分布式环境中不同进程之间争夺资源，类似多线程之间的锁。</a:t>
+            </a:r>
+            <a:endParaRPr lang="zh-CN" altLang="en-US" dirty="0"/>
+          </a:p>
+        </p:txBody>
+      </p:sp>
+    </p:spTree>
+    <p:extLst>
+      <p:ext uri="{BB962C8B-B14F-4D97-AF65-F5344CB8AC3E}">
+        <p14:creationId xmlns:p14="http://schemas.microsoft.com/office/powerpoint/2010/main" val="3227484271"/>
+      </p:ext>
+    </p:extLst>
+  </p:cSld>
+  <p:clrMapOvr>
+    <a:masterClrMapping/>
+  </p:clrMapOvr>
+</p:sld>
+</file>
+
+<file path=ppt/slides/slide15.xml><?xml version="1.0" encoding="utf-8"?>
+<p:sld xmlns:a="http://schemas.openxmlformats.org/drawingml/2006/main" xmlns:r="http://schemas.openxmlformats.org/officeDocument/2006/relationships" xmlns:p="http://schemas.openxmlformats.org/presentationml/2006/main">
+  <p:cSld>
+    <p:spTree>
+      <p:nvGrpSpPr>
+        <p:cNvPr id="1" name=""/>
+        <p:cNvGrpSpPr/>
+        <p:nvPr/>
+      </p:nvGrpSpPr>
+      <p:grpSpPr>
+        <a:xfrm>
+          <a:off x="0" y="0"/>
+          <a:ext cx="0" cy="0"/>
+          <a:chOff x="0" y="0"/>
+          <a:chExt cx="0" cy="0"/>
+        </a:xfrm>
+      </p:grpSpPr>
+      <p:sp>
+        <p:nvSpPr>
+          <p:cNvPr id="2" name="标题 1"/>
+          <p:cNvSpPr>
+            <a:spLocks noGrp="1"/>
+          </p:cNvSpPr>
+          <p:nvPr>
+            <p:ph type="title"/>
+          </p:nvPr>
+        </p:nvSpPr>
+        <p:spPr/>
+        <p:txBody>
+          <a:bodyPr/>
+          <a:lstStyle/>
+          <a:p>
+            <a:r>
+              <a:rPr lang="en-US" altLang="zh-CN" dirty="0" smtClean="0"/>
+              <a:t>ZK</a:t>
+            </a:r>
+            <a:r>
+              <a:rPr lang="zh-CN" altLang="en-US" dirty="0" smtClean="0"/>
+              <a:t>的作用</a:t>
+            </a:r>
+            <a:endParaRPr lang="zh-CN" altLang="en-US" dirty="0"/>
+          </a:p>
+        </p:txBody>
+      </p:sp>
+      <p:sp>
+        <p:nvSpPr>
+          <p:cNvPr id="3" name="内容占位符 2"/>
+          <p:cNvSpPr>
+            <a:spLocks noGrp="1"/>
+          </p:cNvSpPr>
+          <p:nvPr>
+            <p:ph idx="1"/>
+          </p:nvPr>
+        </p:nvSpPr>
+        <p:spPr/>
+        <p:txBody>
+          <a:bodyPr/>
+          <a:lstStyle/>
+          <a:p>
+            <a:r>
+              <a:rPr lang="zh-CN" altLang="en-US" dirty="0" smtClean="0"/>
+              <a:t>集群管理</a:t>
+            </a:r>
+            <a:endParaRPr lang="en-US" altLang="zh-CN" dirty="0" smtClean="0"/>
+          </a:p>
+          <a:p>
+            <a:endParaRPr lang="en-US" altLang="zh-CN" dirty="0"/>
+          </a:p>
+          <a:p>
+            <a:pPr marL="457200" lvl="1" indent="0">
+              <a:buNone/>
+            </a:pPr>
+            <a:r>
+              <a:rPr lang="zh-CN" altLang="en-US" dirty="0" smtClean="0"/>
+              <a:t>集群中保证数据的强一致性</a:t>
+            </a:r>
+            <a:endParaRPr lang="zh-CN" altLang="en-US" dirty="0"/>
+          </a:p>
+        </p:txBody>
+      </p:sp>
+    </p:spTree>
+    <p:extLst>
+      <p:ext uri="{BB962C8B-B14F-4D97-AF65-F5344CB8AC3E}">
+        <p14:creationId xmlns:p14="http://schemas.microsoft.com/office/powerpoint/2010/main" val="4048040424"/>
+      </p:ext>
+    </p:extLst>
+  </p:cSld>
+  <p:clrMapOvr>
+    <a:masterClrMapping/>
+  </p:clrMapOvr>
+</p:sld>
+</file>
+
+<file path=ppt/slides/slide16.xml><?xml version="1.0" encoding="utf-8"?>
+<p:sld xmlns:a="http://schemas.openxmlformats.org/drawingml/2006/main" xmlns:r="http://schemas.openxmlformats.org/officeDocument/2006/relationships" xmlns:p="http://schemas.openxmlformats.org/presentationml/2006/main">
+  <p:cSld>
+    <p:spTree>
+      <p:nvGrpSpPr>
+        <p:cNvPr id="1" name=""/>
+        <p:cNvGrpSpPr/>
+        <p:nvPr/>
+      </p:nvGrpSpPr>
+      <p:grpSpPr>
+        <a:xfrm>
+          <a:off x="0" y="0"/>
+          <a:ext cx="0" cy="0"/>
+          <a:chOff x="0" y="0"/>
+          <a:chExt cx="0" cy="0"/>
+        </a:xfrm>
+      </p:grpSpPr>
+      <p:sp>
+        <p:nvSpPr>
+          <p:cNvPr id="2" name="标题 1"/>
+          <p:cNvSpPr>
+            <a:spLocks noGrp="1"/>
+          </p:cNvSpPr>
+          <p:nvPr>
+            <p:ph type="title"/>
+          </p:nvPr>
+        </p:nvSpPr>
+        <p:spPr/>
+        <p:txBody>
+          <a:bodyPr/>
+          <a:lstStyle/>
+          <a:p>
+            <a:r>
+              <a:rPr lang="en-US" altLang="zh-CN" dirty="0" smtClean="0"/>
+              <a:t>ZK</a:t>
+            </a:r>
+            <a:r>
+              <a:rPr lang="zh-CN" altLang="en-US" dirty="0" smtClean="0"/>
+              <a:t>命令</a:t>
+            </a:r>
+            <a:endParaRPr lang="zh-CN" altLang="en-US" dirty="0"/>
+          </a:p>
+        </p:txBody>
+      </p:sp>
+      <p:pic>
+        <p:nvPicPr>
+          <p:cNvPr id="4" name="图片 3"/>
+          <p:cNvPicPr>
+            <a:picLocks noChangeAspect="1"/>
+          </p:cNvPicPr>
+          <p:nvPr/>
+        </p:nvPicPr>
+        <p:blipFill>
+          <a:blip r:embed="rId3"/>
+          <a:stretch>
+            <a:fillRect/>
+          </a:stretch>
+        </p:blipFill>
+        <p:spPr>
+          <a:xfrm>
+            <a:off x="876000" y="1852295"/>
+            <a:ext cx="6606272" cy="3717232"/>
+          </a:xfrm>
+          <a:prstGeom prst="rect">
+            <a:avLst/>
+          </a:prstGeom>
+        </p:spPr>
+      </p:pic>
+    </p:spTree>
+    <p:extLst>
+      <p:ext uri="{BB962C8B-B14F-4D97-AF65-F5344CB8AC3E}">
+        <p14:creationId xmlns:p14="http://schemas.microsoft.com/office/powerpoint/2010/main" val="4091384857"/>
+      </p:ext>
+    </p:extLst>
+  </p:cSld>
+  <p:clrMapOvr>
+    <a:masterClrMapping/>
+  </p:clrMapOvr>
 </p:sld>
 </file>
 
